--- a/VL03/Zusatzaufgabe/Sortieren.pptx
+++ b/VL03/Zusatzaufgabe/Sortieren.pptx
@@ -49987,7 +49987,7 @@
           <a:p>
             <a:fld id="{659C1114-EFD8-4FEA-BE7F-3EAB34B14366}" type="datetimeFigureOut">
               <a:rPr lang="de-DE" smtClean="0"/>
-              <a:t>25.05.2021</a:t>
+              <a:t>26.05.2021</a:t>
             </a:fld>
             <a:endParaRPr lang="de-DE"/>
           </a:p>
@@ -50893,7 +50893,7 @@
           <a:p>
             <a:fld id="{8747336B-48E2-4D20-8D31-4C86DA3DD841}" type="datetimeFigureOut">
               <a:rPr lang="de-DE" smtClean="0"/>
-              <a:t>25.05.2021</a:t>
+              <a:t>26.05.2021</a:t>
             </a:fld>
             <a:endParaRPr lang="de-DE"/>
           </a:p>
@@ -51091,7 +51091,7 @@
           <a:p>
             <a:fld id="{8747336B-48E2-4D20-8D31-4C86DA3DD841}" type="datetimeFigureOut">
               <a:rPr lang="de-DE" smtClean="0"/>
-              <a:t>25.05.2021</a:t>
+              <a:t>26.05.2021</a:t>
             </a:fld>
             <a:endParaRPr lang="de-DE"/>
           </a:p>
@@ -51299,7 +51299,7 @@
           <a:p>
             <a:fld id="{8747336B-48E2-4D20-8D31-4C86DA3DD841}" type="datetimeFigureOut">
               <a:rPr lang="de-DE" smtClean="0"/>
-              <a:t>25.05.2021</a:t>
+              <a:t>26.05.2021</a:t>
             </a:fld>
             <a:endParaRPr lang="de-DE"/>
           </a:p>
@@ -51497,7 +51497,7 @@
           <a:p>
             <a:fld id="{8747336B-48E2-4D20-8D31-4C86DA3DD841}" type="datetimeFigureOut">
               <a:rPr lang="de-DE" smtClean="0"/>
-              <a:t>25.05.2021</a:t>
+              <a:t>26.05.2021</a:t>
             </a:fld>
             <a:endParaRPr lang="de-DE"/>
           </a:p>
@@ -51772,7 +51772,7 @@
           <a:p>
             <a:fld id="{8747336B-48E2-4D20-8D31-4C86DA3DD841}" type="datetimeFigureOut">
               <a:rPr lang="de-DE" smtClean="0"/>
-              <a:t>25.05.2021</a:t>
+              <a:t>26.05.2021</a:t>
             </a:fld>
             <a:endParaRPr lang="de-DE"/>
           </a:p>
@@ -52037,7 +52037,7 @@
           <a:p>
             <a:fld id="{8747336B-48E2-4D20-8D31-4C86DA3DD841}" type="datetimeFigureOut">
               <a:rPr lang="de-DE" smtClean="0"/>
-              <a:t>25.05.2021</a:t>
+              <a:t>26.05.2021</a:t>
             </a:fld>
             <a:endParaRPr lang="de-DE"/>
           </a:p>
@@ -52449,7 +52449,7 @@
           <a:p>
             <a:fld id="{8747336B-48E2-4D20-8D31-4C86DA3DD841}" type="datetimeFigureOut">
               <a:rPr lang="de-DE" smtClean="0"/>
-              <a:t>25.05.2021</a:t>
+              <a:t>26.05.2021</a:t>
             </a:fld>
             <a:endParaRPr lang="de-DE"/>
           </a:p>
@@ -52590,7 +52590,7 @@
           <a:p>
             <a:fld id="{8747336B-48E2-4D20-8D31-4C86DA3DD841}" type="datetimeFigureOut">
               <a:rPr lang="de-DE" smtClean="0"/>
-              <a:t>25.05.2021</a:t>
+              <a:t>26.05.2021</a:t>
             </a:fld>
             <a:endParaRPr lang="de-DE"/>
           </a:p>
@@ -52703,7 +52703,7 @@
           <a:p>
             <a:fld id="{8747336B-48E2-4D20-8D31-4C86DA3DD841}" type="datetimeFigureOut">
               <a:rPr lang="de-DE" smtClean="0"/>
-              <a:t>25.05.2021</a:t>
+              <a:t>26.05.2021</a:t>
             </a:fld>
             <a:endParaRPr lang="de-DE"/>
           </a:p>
@@ -53014,7 +53014,7 @@
           <a:p>
             <a:fld id="{8747336B-48E2-4D20-8D31-4C86DA3DD841}" type="datetimeFigureOut">
               <a:rPr lang="de-DE" smtClean="0"/>
-              <a:t>25.05.2021</a:t>
+              <a:t>26.05.2021</a:t>
             </a:fld>
             <a:endParaRPr lang="de-DE"/>
           </a:p>
@@ -53302,7 +53302,7 @@
           <a:p>
             <a:fld id="{8747336B-48E2-4D20-8D31-4C86DA3DD841}" type="datetimeFigureOut">
               <a:rPr lang="de-DE" smtClean="0"/>
-              <a:t>25.05.2021</a:t>
+              <a:t>26.05.2021</a:t>
             </a:fld>
             <a:endParaRPr lang="de-DE"/>
           </a:p>
@@ -53543,7 +53543,7 @@
           <a:p>
             <a:fld id="{8747336B-48E2-4D20-8D31-4C86DA3DD841}" type="datetimeFigureOut">
               <a:rPr lang="de-DE" smtClean="0"/>
-              <a:t>25.05.2021</a:t>
+              <a:t>26.05.2021</a:t>
             </a:fld>
             <a:endParaRPr lang="de-DE"/>
           </a:p>
@@ -55969,9 +55969,14 @@
           <a:lstStyle/>
           <a:p>
             <a:r>
-              <a:rPr lang="de-DE" sz="4800"/>
-              <a:t>Anktiensoriteren Anhand von Radixsort</a:t>
+              <a:rPr lang="de-DE" sz="4800" dirty="0"/>
+              <a:t>Aktiensortieren Anhand von </a:t>
             </a:r>
+            <a:r>
+              <a:rPr lang="de-DE" sz="4800" dirty="0" err="1"/>
+              <a:t>Radixsort</a:t>
+            </a:r>
+            <a:endParaRPr lang="de-DE" sz="4800" dirty="0"/>
           </a:p>
         </p:txBody>
       </p:sp>
